--- a/01_05/Ch05_Interp.pptx
+++ b/01_05/Ch05_Interp.pptx
@@ -220,7 +220,7 @@
             <a:fld id="{6837EDA8-41C8-4B24-A206-13C08A65A6D7}" type="datetimeFigureOut">
               <a:rPr lang="zh-TW" altLang="en-US" smtClean="0"/>
               <a:pPr/>
-              <a:t>2019/5/1</a:t>
+              <a:t>2020/7/28</a:t>
             </a:fld>
             <a:endParaRPr lang="zh-TW" altLang="en-US"/>
           </a:p>
@@ -673,7 +673,7 @@
             <a:fld id="{8B85509C-BD4F-47BF-9B1E-FC2E949B3621}" type="datetime1">
               <a:rPr lang="zh-TW" altLang="en-US" smtClean="0"/>
               <a:pPr/>
-              <a:t>2019/5/1</a:t>
+              <a:t>2020/7/28</a:t>
             </a:fld>
             <a:endParaRPr lang="zh-TW" altLang="en-US"/>
           </a:p>
@@ -846,7 +846,7 @@
             <a:fld id="{42251B24-F787-4C15-8A0F-7AEC20C70069}" type="datetime1">
               <a:rPr lang="zh-TW" altLang="en-US" smtClean="0"/>
               <a:pPr/>
-              <a:t>2019/5/1</a:t>
+              <a:t>2020/7/28</a:t>
             </a:fld>
             <a:endParaRPr lang="zh-TW" altLang="en-US"/>
           </a:p>
@@ -1021,7 +1021,7 @@
             <a:fld id="{9CA0D33C-CE2B-45F1-B8D4-FFD1F131F331}" type="datetime1">
               <a:rPr lang="zh-TW" altLang="en-US" smtClean="0"/>
               <a:pPr/>
-              <a:t>2019/5/1</a:t>
+              <a:t>2020/7/28</a:t>
             </a:fld>
             <a:endParaRPr lang="zh-TW" altLang="en-US"/>
           </a:p>
@@ -1186,7 +1186,7 @@
             <a:fld id="{50B99440-D9EF-40CC-9B52-F6428D9B2C76}" type="datetime1">
               <a:rPr lang="zh-TW" altLang="en-US" smtClean="0"/>
               <a:pPr/>
-              <a:t>2019/5/1</a:t>
+              <a:t>2020/7/28</a:t>
             </a:fld>
             <a:endParaRPr lang="zh-TW" altLang="en-US"/>
           </a:p>
@@ -1428,7 +1428,7 @@
             <a:fld id="{0871BF52-5C6C-4959-8E27-CECB68D39FE4}" type="datetime1">
               <a:rPr lang="zh-TW" altLang="en-US" smtClean="0"/>
               <a:pPr/>
-              <a:t>2019/5/1</a:t>
+              <a:t>2020/7/28</a:t>
             </a:fld>
             <a:endParaRPr lang="zh-TW" altLang="en-US"/>
           </a:p>
@@ -1710,7 +1710,7 @@
             <a:fld id="{DF863F05-2DD9-4EB1-A827-12FD992DE9DC}" type="datetime1">
               <a:rPr lang="zh-TW" altLang="en-US" smtClean="0"/>
               <a:pPr/>
-              <a:t>2019/5/1</a:t>
+              <a:t>2020/7/28</a:t>
             </a:fld>
             <a:endParaRPr lang="zh-TW" altLang="en-US"/>
           </a:p>
@@ -2126,7 +2126,7 @@
             <a:fld id="{6339AF51-4491-4873-A096-75DB6CE47516}" type="datetime1">
               <a:rPr lang="zh-TW" altLang="en-US" smtClean="0"/>
               <a:pPr/>
-              <a:t>2019/5/1</a:t>
+              <a:t>2020/7/28</a:t>
             </a:fld>
             <a:endParaRPr lang="zh-TW" altLang="en-US"/>
           </a:p>
@@ -2240,7 +2240,7 @@
             <a:fld id="{EE4AD9C8-8B9E-40FF-ABE2-858AC2057BBB}" type="datetime1">
               <a:rPr lang="zh-TW" altLang="en-US" smtClean="0"/>
               <a:pPr/>
-              <a:t>2019/5/1</a:t>
+              <a:t>2020/7/28</a:t>
             </a:fld>
             <a:endParaRPr lang="zh-TW" altLang="en-US"/>
           </a:p>
@@ -2332,7 +2332,7 @@
             <a:fld id="{B4784999-BBBE-4BE4-A8D0-877E7D1D66CC}" type="datetime1">
               <a:rPr lang="zh-TW" altLang="en-US" smtClean="0"/>
               <a:pPr/>
-              <a:t>2019/5/1</a:t>
+              <a:t>2020/7/28</a:t>
             </a:fld>
             <a:endParaRPr lang="zh-TW" altLang="en-US"/>
           </a:p>
@@ -2604,7 +2604,7 @@
             <a:fld id="{E88D17E6-02BD-4944-B9FE-7BFCCBF83D48}" type="datetime1">
               <a:rPr lang="zh-TW" altLang="en-US" smtClean="0"/>
               <a:pPr/>
-              <a:t>2019/5/1</a:t>
+              <a:t>2020/7/28</a:t>
             </a:fld>
             <a:endParaRPr lang="zh-TW" altLang="en-US"/>
           </a:p>
@@ -2853,7 +2853,7 @@
             <a:fld id="{3C13E23D-1FEF-4D78-A3A3-3D6F2BB31954}" type="datetime1">
               <a:rPr lang="zh-TW" altLang="en-US" smtClean="0"/>
               <a:pPr/>
-              <a:t>2019/5/1</a:t>
+              <a:t>2020/7/28</a:t>
             </a:fld>
             <a:endParaRPr lang="zh-TW" altLang="en-US"/>
           </a:p>
@@ -3061,7 +3061,7 @@
             <a:fld id="{06197F35-AD6F-4594-8B50-334492D2E7E8}" type="datetime1">
               <a:rPr lang="zh-TW" altLang="en-US" smtClean="0"/>
               <a:pPr/>
-              <a:t>2019/5/1</a:t>
+              <a:t>2020/7/28</a:t>
             </a:fld>
             <a:endParaRPr lang="zh-TW" altLang="en-US"/>
           </a:p>
@@ -3522,7 +3522,7 @@
             <a:fld id="{C389EDC9-19E3-47AC-9C57-C6A24DEA81AD}" type="datetime1">
               <a:rPr lang="zh-TW" altLang="en-US" smtClean="0"/>
               <a:pPr/>
-              <a:t>2019/5/1</a:t>
+              <a:t>2020/7/28</a:t>
             </a:fld>
             <a:endParaRPr lang="zh-TW" altLang="en-US"/>
           </a:p>
@@ -3854,7 +3854,7 @@
             <a:fld id="{A4F910E6-8D00-4BAF-8C48-9688E0B449D3}" type="datetime1">
               <a:rPr lang="zh-TW" altLang="en-US" smtClean="0"/>
               <a:pPr/>
-              <a:t>2019/5/1</a:t>
+              <a:t>2020/7/28</a:t>
             </a:fld>
             <a:endParaRPr lang="zh-TW" altLang="en-US"/>
           </a:p>
@@ -4562,7 +4562,7 @@
             <a:fld id="{A4F910E6-8D00-4BAF-8C48-9688E0B449D3}" type="datetime1">
               <a:rPr lang="zh-TW" altLang="en-US" smtClean="0"/>
               <a:pPr/>
-              <a:t>2019/5/1</a:t>
+              <a:t>2020/7/28</a:t>
             </a:fld>
             <a:endParaRPr lang="zh-TW" altLang="en-US"/>
           </a:p>
@@ -5017,7 +5017,7 @@
             <a:fld id="{4E46BE27-E923-4EC2-B046-3272AE2A3E5C}" type="datetime1">
               <a:rPr lang="zh-TW" altLang="en-US" smtClean="0"/>
               <a:pPr/>
-              <a:t>2019/5/1</a:t>
+              <a:t>2020/7/28</a:t>
             </a:fld>
             <a:endParaRPr lang="zh-TW" altLang="en-US"/>
           </a:p>
@@ -5435,7 +5435,7 @@
             <a:fld id="{A4F910E6-8D00-4BAF-8C48-9688E0B449D3}" type="datetime1">
               <a:rPr lang="zh-TW" altLang="en-US" smtClean="0"/>
               <a:pPr/>
-              <a:t>2019/5/1</a:t>
+              <a:t>2020/7/28</a:t>
             </a:fld>
             <a:endParaRPr lang="zh-TW" altLang="en-US"/>
           </a:p>
@@ -5753,7 +5753,7 @@
             <a:fld id="{A4F910E6-8D00-4BAF-8C48-9688E0B449D3}" type="datetime1">
               <a:rPr lang="zh-TW" altLang="en-US" smtClean="0"/>
               <a:pPr/>
-              <a:t>2019/5/1</a:t>
+              <a:t>2020/7/28</a:t>
             </a:fld>
             <a:endParaRPr lang="zh-TW" altLang="en-US"/>
           </a:p>
@@ -6051,7 +6051,7 @@
             <a:fld id="{A4F910E6-8D00-4BAF-8C48-9688E0B449D3}" type="datetime1">
               <a:rPr lang="zh-TW" altLang="en-US" smtClean="0"/>
               <a:pPr/>
-              <a:t>2019/5/1</a:t>
+              <a:t>2020/7/28</a:t>
             </a:fld>
             <a:endParaRPr lang="zh-TW" altLang="en-US"/>
           </a:p>
@@ -6493,7 +6493,7 @@
                   <a:schemeClr val="tx1"/>
                 </a:solidFill>
               </a:rPr>
-              <a:t>We wan to change the Text Dynamically</a:t>
+              <a:t>We want to change the Text Dynamically</a:t>
             </a:r>
           </a:p>
         </p:txBody>
@@ -6794,7 +6794,7 @@
             <a:fld id="{A4F910E6-8D00-4BAF-8C48-9688E0B449D3}" type="datetime1">
               <a:rPr lang="zh-TW" altLang="en-US" smtClean="0"/>
               <a:pPr/>
-              <a:t>2019/5/1</a:t>
+              <a:t>2020/7/28</a:t>
             </a:fld>
             <a:endParaRPr lang="zh-TW" altLang="en-US"/>
           </a:p>
@@ -7477,7 +7477,7 @@
             <a:fld id="{A4F910E6-8D00-4BAF-8C48-9688E0B449D3}" type="datetime1">
               <a:rPr lang="zh-TW" altLang="en-US" smtClean="0"/>
               <a:pPr/>
-              <a:t>2019/5/1</a:t>
+              <a:t>2020/7/28</a:t>
             </a:fld>
             <a:endParaRPr lang="zh-TW" altLang="en-US"/>
           </a:p>
@@ -8018,7 +8018,7 @@
             <a:fld id="{A4F910E6-8D00-4BAF-8C48-9688E0B449D3}" type="datetime1">
               <a:rPr lang="zh-TW" altLang="en-US" smtClean="0"/>
               <a:pPr/>
-              <a:t>2019/5/1</a:t>
+              <a:t>2020/7/28</a:t>
             </a:fld>
             <a:endParaRPr lang="zh-TW" altLang="en-US"/>
           </a:p>
@@ -8596,7 +8596,7 @@
             <a:fld id="{A4F910E6-8D00-4BAF-8C48-9688E0B449D3}" type="datetime1">
               <a:rPr lang="zh-TW" altLang="en-US" smtClean="0"/>
               <a:pPr/>
-              <a:t>2019/5/1</a:t>
+              <a:t>2020/7/28</a:t>
             </a:fld>
             <a:endParaRPr lang="zh-TW" altLang="en-US"/>
           </a:p>
@@ -9153,7 +9153,7 @@
             <a:fld id="{A4F910E6-8D00-4BAF-8C48-9688E0B449D3}" type="datetime1">
               <a:rPr lang="zh-TW" altLang="en-US" smtClean="0"/>
               <a:pPr/>
-              <a:t>2019/5/1</a:t>
+              <a:t>2020/7/28</a:t>
             </a:fld>
             <a:endParaRPr lang="zh-TW" altLang="en-US"/>
           </a:p>
